--- a/期末/嵌入式影像處理_期末0517.pptx
+++ b/期末/嵌入式影像處理_期末0517.pptx
@@ -5,10 +5,10 @@
     <p:sldMasterId id="2147483648" r:id="rId1"/>
   </p:sldMasterIdLst>
   <p:notesMasterIdLst>
-    <p:notesMasterId r:id="rId25"/>
+    <p:notesMasterId r:id="rId29"/>
   </p:notesMasterIdLst>
   <p:handoutMasterIdLst>
-    <p:handoutMasterId r:id="rId26"/>
+    <p:handoutMasterId r:id="rId30"/>
   </p:handoutMasterIdLst>
   <p:sldIdLst>
     <p:sldId id="259" r:id="rId2"/>
@@ -28,12 +28,16 @@
     <p:sldId id="1274" r:id="rId16"/>
     <p:sldId id="1275" r:id="rId17"/>
     <p:sldId id="1276" r:id="rId18"/>
-    <p:sldId id="1265" r:id="rId19"/>
-    <p:sldId id="1262" r:id="rId20"/>
-    <p:sldId id="1277" r:id="rId21"/>
-    <p:sldId id="1278" r:id="rId22"/>
-    <p:sldId id="1264" r:id="rId23"/>
-    <p:sldId id="1267" r:id="rId24"/>
+    <p:sldId id="1279" r:id="rId19"/>
+    <p:sldId id="1280" r:id="rId20"/>
+    <p:sldId id="1281" r:id="rId21"/>
+    <p:sldId id="1282" r:id="rId22"/>
+    <p:sldId id="1265" r:id="rId23"/>
+    <p:sldId id="1262" r:id="rId24"/>
+    <p:sldId id="1277" r:id="rId25"/>
+    <p:sldId id="1278" r:id="rId26"/>
+    <p:sldId id="1264" r:id="rId27"/>
+    <p:sldId id="1267" r:id="rId28"/>
   </p:sldIdLst>
   <p:sldSz cx="12192000" cy="6858000"/>
   <p:notesSz cx="6858000" cy="9144000"/>
@@ -178,6 +182,10 @@
             <p14:sldId id="1274"/>
             <p14:sldId id="1275"/>
             <p14:sldId id="1276"/>
+            <p14:sldId id="1279"/>
+            <p14:sldId id="1280"/>
+            <p14:sldId id="1281"/>
+            <p14:sldId id="1282"/>
             <p14:sldId id="1265"/>
             <p14:sldId id="1262"/>
           </p14:sldIdLst>
@@ -295,7 +303,7 @@
               <a:rPr lang="zh-TW" altLang="en-US" smtClean="0">
                 <a:ea typeface="標楷體" panose="03000509000000000000" pitchFamily="65" charset="-120"/>
               </a:rPr>
-              <a:t>2023/5/23</a:t>
+              <a:t>2023/6/4</a:t>
             </a:fld>
             <a:endParaRPr lang="zh-TW" altLang="en-US" dirty="0">
               <a:ea typeface="標楷體" panose="03000509000000000000" pitchFamily="65" charset="-120"/>
@@ -473,7 +481,7 @@
             <a:fld id="{2CB905C5-9D54-40E2-B40C-7996280CAB02}" type="datetimeFigureOut">
               <a:rPr lang="zh-TW" altLang="en-US" smtClean="0"/>
               <a:pPr/>
-              <a:t>2023/5/23</a:t>
+              <a:t>2023/6/4</a:t>
             </a:fld>
             <a:endParaRPr lang="zh-TW" altLang="en-US" dirty="0"/>
           </a:p>
@@ -963,7 +971,7 @@
           <a:p>
             <a:fld id="{0C0CC965-A63A-473D-BEFB-C8F9714D5269}" type="datetimeFigureOut">
               <a:rPr lang="zh-TW" altLang="en-US" smtClean="0"/>
-              <a:t>2023/5/23</a:t>
+              <a:t>2023/6/4</a:t>
             </a:fld>
             <a:endParaRPr lang="zh-TW" altLang="en-US"/>
           </a:p>
@@ -1131,7 +1139,7 @@
           <a:p>
             <a:fld id="{0C0CC965-A63A-473D-BEFB-C8F9714D5269}" type="datetimeFigureOut">
               <a:rPr lang="zh-TW" altLang="en-US" smtClean="0"/>
-              <a:t>2023/5/23</a:t>
+              <a:t>2023/6/4</a:t>
             </a:fld>
             <a:endParaRPr lang="zh-TW" altLang="en-US"/>
           </a:p>
@@ -1309,7 +1317,7 @@
           <a:p>
             <a:fld id="{0C0CC965-A63A-473D-BEFB-C8F9714D5269}" type="datetimeFigureOut">
               <a:rPr lang="zh-TW" altLang="en-US" smtClean="0"/>
-              <a:t>2023/5/23</a:t>
+              <a:t>2023/6/4</a:t>
             </a:fld>
             <a:endParaRPr lang="zh-TW" altLang="en-US"/>
           </a:p>
@@ -1531,7 +1539,7 @@
           <a:p>
             <a:fld id="{0C0CC965-A63A-473D-BEFB-C8F9714D5269}" type="datetimeFigureOut">
               <a:rPr lang="zh-TW" altLang="en-US" smtClean="0"/>
-              <a:t>2023/5/23</a:t>
+              <a:t>2023/6/4</a:t>
             </a:fld>
             <a:endParaRPr lang="zh-TW" altLang="en-US"/>
           </a:p>
@@ -1726,7 +1734,7 @@
           <a:p>
             <a:fld id="{0C0CC965-A63A-473D-BEFB-C8F9714D5269}" type="datetimeFigureOut">
               <a:rPr lang="zh-TW" altLang="en-US" smtClean="0"/>
-              <a:t>2023/5/23</a:t>
+              <a:t>2023/6/4</a:t>
             </a:fld>
             <a:endParaRPr lang="zh-TW" altLang="en-US"/>
           </a:p>
@@ -1971,7 +1979,7 @@
           <a:p>
             <a:fld id="{0C0CC965-A63A-473D-BEFB-C8F9714D5269}" type="datetimeFigureOut">
               <a:rPr lang="zh-TW" altLang="en-US" smtClean="0"/>
-              <a:t>2023/5/23</a:t>
+              <a:t>2023/6/4</a:t>
             </a:fld>
             <a:endParaRPr lang="zh-TW" altLang="en-US"/>
           </a:p>
@@ -2200,7 +2208,7 @@
           <a:p>
             <a:fld id="{0C0CC965-A63A-473D-BEFB-C8F9714D5269}" type="datetimeFigureOut">
               <a:rPr lang="zh-TW" altLang="en-US" smtClean="0"/>
-              <a:t>2023/5/23</a:t>
+              <a:t>2023/6/4</a:t>
             </a:fld>
             <a:endParaRPr lang="zh-TW" altLang="en-US"/>
           </a:p>
@@ -2564,7 +2572,7 @@
           <a:p>
             <a:fld id="{0C0CC965-A63A-473D-BEFB-C8F9714D5269}" type="datetimeFigureOut">
               <a:rPr lang="zh-TW" altLang="en-US" smtClean="0"/>
-              <a:t>2023/5/23</a:t>
+              <a:t>2023/6/4</a:t>
             </a:fld>
             <a:endParaRPr lang="zh-TW" altLang="en-US"/>
           </a:p>
@@ -2681,7 +2689,7 @@
           <a:p>
             <a:fld id="{0C0CC965-A63A-473D-BEFB-C8F9714D5269}" type="datetimeFigureOut">
               <a:rPr lang="zh-TW" altLang="en-US" smtClean="0"/>
-              <a:t>2023/5/23</a:t>
+              <a:t>2023/6/4</a:t>
             </a:fld>
             <a:endParaRPr lang="zh-TW" altLang="en-US"/>
           </a:p>
@@ -2776,7 +2784,7 @@
           <a:p>
             <a:fld id="{0C0CC965-A63A-473D-BEFB-C8F9714D5269}" type="datetimeFigureOut">
               <a:rPr lang="zh-TW" altLang="en-US" smtClean="0"/>
-              <a:t>2023/5/23</a:t>
+              <a:t>2023/6/4</a:t>
             </a:fld>
             <a:endParaRPr lang="zh-TW" altLang="en-US"/>
           </a:p>
@@ -3051,7 +3059,7 @@
           <a:p>
             <a:fld id="{0C0CC965-A63A-473D-BEFB-C8F9714D5269}" type="datetimeFigureOut">
               <a:rPr lang="zh-TW" altLang="en-US" smtClean="0"/>
-              <a:t>2023/5/23</a:t>
+              <a:t>2023/6/4</a:t>
             </a:fld>
             <a:endParaRPr lang="zh-TW" altLang="en-US"/>
           </a:p>
@@ -3303,7 +3311,7 @@
           <a:p>
             <a:fld id="{0C0CC965-A63A-473D-BEFB-C8F9714D5269}" type="datetimeFigureOut">
               <a:rPr lang="zh-TW" altLang="en-US" smtClean="0"/>
-              <a:t>2023/5/23</a:t>
+              <a:t>2023/6/4</a:t>
             </a:fld>
             <a:endParaRPr lang="zh-TW" altLang="en-US"/>
           </a:p>
@@ -3517,7 +3525,7 @@
             <a:fld id="{0C0CC965-A63A-473D-BEFB-C8F9714D5269}" type="datetimeFigureOut">
               <a:rPr lang="zh-TW" altLang="en-US" smtClean="0"/>
               <a:pPr/>
-              <a:t>2023/5/23</a:t>
+              <a:t>2023/6/4</a:t>
             </a:fld>
             <a:endParaRPr lang="zh-TW" altLang="en-US"/>
           </a:p>
@@ -8343,118 +8351,76 @@
           <a:chExt cx="0" cy="0"/>
         </a:xfrm>
       </p:grpSpPr>
-      <p:sp>
-        <p:nvSpPr>
-          <p:cNvPr id="5" name="標題 3">
+      <p:pic>
+        <p:nvPicPr>
+          <p:cNvPr id="6" name="圖片 5">
             <a:extLst>
               <a:ext uri="{FF2B5EF4-FFF2-40B4-BE49-F238E27FC236}">
-                <a16:creationId xmlns:a16="http://schemas.microsoft.com/office/drawing/2014/main" id="{5E65A4BB-74FA-47A4-97D2-6955415EF6B6}"/>
+                <a16:creationId xmlns:a16="http://schemas.microsoft.com/office/drawing/2014/main" id="{358C0E83-A269-4C1C-B535-915471599089}"/>
               </a:ext>
             </a:extLst>
           </p:cNvPr>
-          <p:cNvSpPr>
-            <a:spLocks noGrp="1"/>
-          </p:cNvSpPr>
-          <p:nvPr>
-            <p:ph type="title"/>
-          </p:nvPr>
-        </p:nvSpPr>
-        <p:spPr>
-          <a:xfrm>
-            <a:off x="838200" y="365125"/>
-            <a:ext cx="10515600" cy="720000"/>
-          </a:xfrm>
-        </p:spPr>
-        <p:txBody>
-          <a:bodyPr/>
-          <a:lstStyle/>
-          <a:p>
-            <a:r>
-              <a:rPr lang="zh-TW" altLang="en-US" dirty="0"/>
-              <a:t>專案架構 </a:t>
-            </a:r>
-            <a:r>
-              <a:rPr lang="en-US" altLang="zh-TW" dirty="0"/>
-              <a:t>–</a:t>
-            </a:r>
-            <a:r>
-              <a:rPr lang="zh-TW" altLang="en-US" dirty="0"/>
-              <a:t> 估計畫面</a:t>
-            </a:r>
-          </a:p>
-        </p:txBody>
-      </p:sp>
-      <p:pic>
-        <p:nvPicPr>
-          <p:cNvPr id="2" name="圖片 1"/>
           <p:cNvPicPr>
             <a:picLocks noChangeAspect="1"/>
           </p:cNvPicPr>
           <p:nvPr/>
         </p:nvPicPr>
         <p:blipFill>
-          <a:blip r:embed="rId2"/>
+          <a:blip r:embed="rId2">
+            <a:extLst>
+              <a:ext uri="{28A0092B-C50C-407E-A947-70E740481C1C}">
+                <a14:useLocalDpi xmlns:a14="http://schemas.microsoft.com/office/drawing/2010/main" val="0"/>
+              </a:ext>
+            </a:extLst>
+          </a:blip>
           <a:stretch>
             <a:fillRect/>
           </a:stretch>
         </p:blipFill>
         <p:spPr>
           <a:xfrm>
-            <a:off x="1485900" y="1476375"/>
-            <a:ext cx="9220200" cy="4362450"/>
+            <a:off x="4823719" y="1466481"/>
+            <a:ext cx="5829300" cy="4457700"/>
           </a:xfrm>
           <a:prstGeom prst="rect">
             <a:avLst/>
           </a:prstGeom>
         </p:spPr>
       </p:pic>
-      <p:sp>
-        <p:nvSpPr>
-          <p:cNvPr id="3" name="文字方塊 2"/>
-          <p:cNvSpPr txBox="1"/>
+      <p:pic>
+        <p:nvPicPr>
+          <p:cNvPr id="8" name="圖片 7">
+            <a:extLst>
+              <a:ext uri="{FF2B5EF4-FFF2-40B4-BE49-F238E27FC236}">
+                <a16:creationId xmlns:a16="http://schemas.microsoft.com/office/drawing/2014/main" id="{879EE985-00FC-4EAB-813D-4A27ABD13C28}"/>
+              </a:ext>
+            </a:extLst>
+          </p:cNvPr>
+          <p:cNvPicPr>
+            <a:picLocks noChangeAspect="1"/>
+          </p:cNvPicPr>
           <p:nvPr/>
-        </p:nvSpPr>
-        <p:spPr>
-          <a:xfrm>
-            <a:off x="8542422" y="5838825"/>
-            <a:ext cx="1780674" cy="369332"/>
+        </p:nvPicPr>
+        <p:blipFill>
+          <a:blip r:embed="rId3"/>
+          <a:stretch>
+            <a:fillRect/>
+          </a:stretch>
+        </p:blipFill>
+        <p:spPr>
+          <a:xfrm>
+            <a:off x="732088" y="2373064"/>
+            <a:ext cx="3820992" cy="2822085"/>
           </a:xfrm>
           <a:prstGeom prst="rect">
             <a:avLst/>
           </a:prstGeom>
-          <a:noFill/>
-        </p:spPr>
-        <p:txBody>
-          <a:bodyPr wrap="square" rtlCol="0">
-            <a:spAutoFit/>
-          </a:bodyPr>
-          <a:lstStyle/>
-          <a:p>
-            <a:r>
-              <a:rPr lang="zh-TW" altLang="en-US" dirty="0">
-                <a:ea typeface="標楷體" panose="03000509000000000000" pitchFamily="65" charset="-120"/>
-              </a:rPr>
-              <a:t>圖</a:t>
-            </a:r>
-            <a:r>
-              <a:rPr lang="en-US" altLang="zh-TW" dirty="0">
-                <a:ea typeface="標楷體" panose="03000509000000000000" pitchFamily="65" charset="-120"/>
-              </a:rPr>
-              <a:t>3</a:t>
-            </a:r>
-            <a:r>
-              <a:rPr lang="zh-TW" altLang="en-US" dirty="0">
-                <a:ea typeface="標楷體" panose="03000509000000000000" pitchFamily="65" charset="-120"/>
-              </a:rPr>
-              <a:t>、落點標記</a:t>
-            </a:r>
-          </a:p>
-        </p:txBody>
-      </p:sp>
+        </p:spPr>
+      </p:pic>
     </p:spTree>
     <p:extLst>
       <p:ext uri="{BB962C8B-B14F-4D97-AF65-F5344CB8AC3E}">
-        <p14:creationId xmlns:p14="http://schemas.microsoft.com/office/powerpoint/2010/main" val="1686194952"/>
+        <p14:creationId xmlns:p14="http://schemas.microsoft.com/office/powerpoint/2010/main" val="1900021336"/>
       </p:ext>
     </p:extLst>
   </p:cSld>
@@ -8481,50 +8447,15 @@
           <a:chExt cx="0" cy="0"/>
         </a:xfrm>
       </p:grpSpPr>
-      <p:sp>
-        <p:nvSpPr>
-          <p:cNvPr id="5" name="標題 3">
+      <p:pic>
+        <p:nvPicPr>
+          <p:cNvPr id="3" name="圖片 2">
             <a:extLst>
               <a:ext uri="{FF2B5EF4-FFF2-40B4-BE49-F238E27FC236}">
-                <a16:creationId xmlns:a16="http://schemas.microsoft.com/office/drawing/2014/main" id="{5E65A4BB-74FA-47A4-97D2-6955415EF6B6}"/>
+                <a16:creationId xmlns:a16="http://schemas.microsoft.com/office/drawing/2014/main" id="{C0FC61AA-B401-4450-BC16-CF5CD20C8CCF}"/>
               </a:ext>
             </a:extLst>
           </p:cNvPr>
-          <p:cNvSpPr>
-            <a:spLocks noGrp="1"/>
-          </p:cNvSpPr>
-          <p:nvPr>
-            <p:ph type="title"/>
-          </p:nvPr>
-        </p:nvSpPr>
-        <p:spPr>
-          <a:xfrm>
-            <a:off x="838200" y="365125"/>
-            <a:ext cx="10515600" cy="720000"/>
-          </a:xfrm>
-        </p:spPr>
-        <p:txBody>
-          <a:bodyPr/>
-          <a:lstStyle/>
-          <a:p>
-            <a:r>
-              <a:rPr lang="zh-TW" altLang="en-US" dirty="0"/>
-              <a:t>專案架構 </a:t>
-            </a:r>
-            <a:r>
-              <a:rPr lang="en-US" altLang="zh-TW" dirty="0"/>
-              <a:t>–</a:t>
-            </a:r>
-            <a:r>
-              <a:rPr lang="zh-TW" altLang="en-US" dirty="0"/>
-              <a:t> 估計畫面</a:t>
-            </a:r>
-          </a:p>
-        </p:txBody>
-      </p:sp>
-      <p:pic>
-        <p:nvPicPr>
-          <p:cNvPr id="3" name="圖片 2"/>
           <p:cNvPicPr>
             <a:picLocks noChangeAspect="1"/>
           </p:cNvPicPr>
@@ -8538,8 +8469,8 @@
         </p:blipFill>
         <p:spPr>
           <a:xfrm>
-            <a:off x="6977062" y="1530734"/>
-            <a:ext cx="2010527" cy="3845377"/>
+            <a:off x="1040561" y="2635473"/>
+            <a:ext cx="3860998" cy="2101958"/>
           </a:xfrm>
           <a:prstGeom prst="rect">
             <a:avLst/>
@@ -8548,400 +8479,44 @@
       </p:pic>
       <p:pic>
         <p:nvPicPr>
-          <p:cNvPr id="6" name="圖片 5"/>
+          <p:cNvPr id="5" name="圖片 4">
+            <a:extLst>
+              <a:ext uri="{FF2B5EF4-FFF2-40B4-BE49-F238E27FC236}">
+                <a16:creationId xmlns:a16="http://schemas.microsoft.com/office/drawing/2014/main" id="{92769F12-8FAA-4822-99A8-40997002C934}"/>
+              </a:ext>
+            </a:extLst>
+          </p:cNvPr>
           <p:cNvPicPr>
             <a:picLocks noChangeAspect="1"/>
           </p:cNvPicPr>
           <p:nvPr/>
         </p:nvPicPr>
         <p:blipFill>
-          <a:blip r:embed="rId3"/>
-          <a:stretch>
-            <a:fillRect/>
-          </a:stretch>
-        </p:blipFill>
-        <p:spPr>
-          <a:xfrm>
-            <a:off x="4104021" y="4321340"/>
-            <a:ext cx="542925" cy="838200"/>
-          </a:xfrm>
-          <a:prstGeom prst="rect">
-            <a:avLst/>
-          </a:prstGeom>
-        </p:spPr>
-      </p:pic>
-      <p:pic>
-        <p:nvPicPr>
-          <p:cNvPr id="7" name="圖片 6"/>
-          <p:cNvPicPr>
-            <a:picLocks noChangeAspect="1"/>
-          </p:cNvPicPr>
-          <p:nvPr/>
-        </p:nvPicPr>
-        <p:blipFill>
-          <a:blip r:embed="rId3"/>
-          <a:stretch>
-            <a:fillRect/>
-          </a:stretch>
-        </p:blipFill>
-        <p:spPr>
-          <a:xfrm>
-            <a:off x="3173327" y="1977240"/>
-            <a:ext cx="542925" cy="838200"/>
-          </a:xfrm>
-          <a:prstGeom prst="rect">
-            <a:avLst/>
-          </a:prstGeom>
-        </p:spPr>
-      </p:pic>
-      <p:pic>
-        <p:nvPicPr>
-          <p:cNvPr id="1026" name="Picture 2" descr="概述的卡通網球拍, 畫, 特寫, 冠軍賽向量圖案素材免費下載，PNG，EPS和AI素材下載- Pngtree"/>
-          <p:cNvPicPr>
-            <a:picLocks noChangeAspect="1" noChangeArrowheads="1"/>
-          </p:cNvPicPr>
-          <p:nvPr/>
-        </p:nvPicPr>
-        <p:blipFill>
-          <a:blip r:embed="rId4" cstate="print">
+          <a:blip r:embed="rId3">
             <a:extLst>
               <a:ext uri="{28A0092B-C50C-407E-A947-70E740481C1C}">
                 <a14:useLocalDpi xmlns:a14="http://schemas.microsoft.com/office/drawing/2010/main" val="0"/>
               </a:ext>
             </a:extLst>
           </a:blip>
-          <a:srcRect/>
           <a:stretch>
             <a:fillRect/>
           </a:stretch>
         </p:blipFill>
-        <p:spPr bwMode="auto">
-          <a:xfrm>
-            <a:off x="4407359" y="4222355"/>
-            <a:ext cx="831014" cy="518085"/>
+        <p:spPr>
+          <a:xfrm>
+            <a:off x="5478608" y="1386581"/>
+            <a:ext cx="5829300" cy="4457700"/>
           </a:xfrm>
           <a:prstGeom prst="rect">
             <a:avLst/>
           </a:prstGeom>
-          <a:noFill/>
-          <a:extLst>
-            <a:ext uri="{909E8E84-426E-40DD-AFC4-6F175D3DCCD1}">
-              <a14:hiddenFill xmlns:a14="http://schemas.microsoft.com/office/drawing/2010/main">
-                <a:solidFill>
-                  <a:srgbClr val="FFFFFF"/>
-                </a:solidFill>
-              </a14:hiddenFill>
-            </a:ext>
-          </a:extLst>
         </p:spPr>
       </p:pic>
-      <p:pic>
-        <p:nvPicPr>
-          <p:cNvPr id="9" name="Picture 2" descr="概述的卡通網球拍, 畫, 特寫, 冠軍賽向量圖案素材免費下載，PNG，EPS和AI素材下載- Pngtree"/>
-          <p:cNvPicPr>
-            <a:picLocks noChangeAspect="1" noChangeArrowheads="1"/>
-          </p:cNvPicPr>
-          <p:nvPr/>
-        </p:nvPicPr>
-        <p:blipFill>
-          <a:blip r:embed="rId4" cstate="print">
-            <a:extLst>
-              <a:ext uri="{28A0092B-C50C-407E-A947-70E740481C1C}">
-                <a14:useLocalDpi xmlns:a14="http://schemas.microsoft.com/office/drawing/2010/main" val="0"/>
-              </a:ext>
-            </a:extLst>
-          </a:blip>
-          <a:srcRect/>
-          <a:stretch>
-            <a:fillRect/>
-          </a:stretch>
-        </p:blipFill>
-        <p:spPr bwMode="auto">
-          <a:xfrm>
-            <a:off x="3576345" y="1878255"/>
-            <a:ext cx="831014" cy="518085"/>
-          </a:xfrm>
-          <a:prstGeom prst="rect">
-            <a:avLst/>
-          </a:prstGeom>
-          <a:noFill/>
-          <a:extLst>
-            <a:ext uri="{909E8E84-426E-40DD-AFC4-6F175D3DCCD1}">
-              <a14:hiddenFill xmlns:a14="http://schemas.microsoft.com/office/drawing/2010/main">
-                <a:solidFill>
-                  <a:srgbClr val="FFFFFF"/>
-                </a:solidFill>
-              </a14:hiddenFill>
-            </a:ext>
-          </a:extLst>
-        </p:spPr>
-      </p:pic>
-      <p:pic>
-        <p:nvPicPr>
-          <p:cNvPr id="1028" name="Picture 4" descr="網球拍插圖– 免費插畫素材合集KuKuKeKe"/>
-          <p:cNvPicPr>
-            <a:picLocks noChangeAspect="1" noChangeArrowheads="1"/>
-          </p:cNvPicPr>
-          <p:nvPr/>
-        </p:nvPicPr>
-        <p:blipFill rotWithShape="1">
-          <a:blip r:embed="rId5" cstate="print">
-            <a:extLst>
-              <a:ext uri="{28A0092B-C50C-407E-A947-70E740481C1C}">
-                <a14:useLocalDpi xmlns:a14="http://schemas.microsoft.com/office/drawing/2010/main" val="0"/>
-              </a:ext>
-            </a:extLst>
-          </a:blip>
-          <a:srcRect l="17350" t="18105" r="66455" b="69159"/>
-          <a:stretch/>
-        </p:blipFill>
-        <p:spPr bwMode="auto">
-          <a:xfrm>
-            <a:off x="4659477" y="3938886"/>
-            <a:ext cx="348916" cy="300789"/>
-          </a:xfrm>
-          <a:prstGeom prst="rect">
-            <a:avLst/>
-          </a:prstGeom>
-          <a:noFill/>
-          <a:extLst>
-            <a:ext uri="{909E8E84-426E-40DD-AFC4-6F175D3DCCD1}">
-              <a14:hiddenFill xmlns:a14="http://schemas.microsoft.com/office/drawing/2010/main">
-                <a:solidFill>
-                  <a:srgbClr val="FFFFFF"/>
-                </a:solidFill>
-              </a14:hiddenFill>
-            </a:ext>
-          </a:extLst>
-        </p:spPr>
-      </p:pic>
-      <p:sp>
-        <p:nvSpPr>
-          <p:cNvPr id="10" name="文字方塊 9"/>
-          <p:cNvSpPr txBox="1"/>
-          <p:nvPr/>
-        </p:nvSpPr>
-        <p:spPr>
-          <a:xfrm>
-            <a:off x="7086595" y="5474893"/>
-            <a:ext cx="1780674" cy="369332"/>
-          </a:xfrm>
-          <a:prstGeom prst="rect">
-            <a:avLst/>
-          </a:prstGeom>
-          <a:noFill/>
-        </p:spPr>
-        <p:txBody>
-          <a:bodyPr wrap="square" rtlCol="0">
-            <a:spAutoFit/>
-          </a:bodyPr>
-          <a:lstStyle/>
-          <a:p>
-            <a:pPr algn="ctr"/>
-            <a:r>
-              <a:rPr lang="zh-TW" altLang="en-US" dirty="0">
-                <a:ea typeface="標楷體" panose="03000509000000000000" pitchFamily="65" charset="-120"/>
-              </a:rPr>
-              <a:t>圖</a:t>
-            </a:r>
-            <a:r>
-              <a:rPr lang="en-US" altLang="zh-TW" dirty="0">
-                <a:ea typeface="標楷體" panose="03000509000000000000" pitchFamily="65" charset="-120"/>
-              </a:rPr>
-              <a:t>5</a:t>
-            </a:r>
-            <a:r>
-              <a:rPr lang="zh-TW" altLang="en-US" dirty="0">
-                <a:ea typeface="標楷體" panose="03000509000000000000" pitchFamily="65" charset="-120"/>
-              </a:rPr>
-              <a:t>、俯視圖</a:t>
-            </a:r>
-          </a:p>
-        </p:txBody>
-      </p:sp>
-      <p:sp>
-        <p:nvSpPr>
-          <p:cNvPr id="11" name="文字方塊 10"/>
-          <p:cNvSpPr txBox="1"/>
-          <p:nvPr/>
-        </p:nvSpPr>
-        <p:spPr>
-          <a:xfrm>
-            <a:off x="3173327" y="5474893"/>
-            <a:ext cx="1980564" cy="646331"/>
-          </a:xfrm>
-          <a:prstGeom prst="rect">
-            <a:avLst/>
-          </a:prstGeom>
-          <a:noFill/>
-        </p:spPr>
-        <p:txBody>
-          <a:bodyPr wrap="square" rtlCol="0">
-            <a:spAutoFit/>
-          </a:bodyPr>
-          <a:lstStyle/>
-          <a:p>
-            <a:pPr algn="ctr"/>
-            <a:r>
-              <a:rPr lang="zh-TW" altLang="en-US" dirty="0">
-                <a:ea typeface="標楷體" panose="03000509000000000000" pitchFamily="65" charset="-120"/>
-              </a:rPr>
-              <a:t>圖</a:t>
-            </a:r>
-            <a:r>
-              <a:rPr lang="en-US" altLang="zh-TW" dirty="0">
-                <a:ea typeface="標楷體" panose="03000509000000000000" pitchFamily="65" charset="-120"/>
-              </a:rPr>
-              <a:t>4</a:t>
-            </a:r>
-            <a:r>
-              <a:rPr lang="zh-TW" altLang="en-US" dirty="0">
-                <a:ea typeface="標楷體" panose="03000509000000000000" pitchFamily="65" charset="-120"/>
-              </a:rPr>
-              <a:t>、前瞰圖</a:t>
-            </a:r>
-            <a:r>
-              <a:rPr lang="en-US" altLang="zh-TW" dirty="0">
-                <a:ea typeface="標楷體" panose="03000509000000000000" pitchFamily="65" charset="-120"/>
-              </a:rPr>
-              <a:t>(webcam)</a:t>
-            </a:r>
-            <a:endParaRPr lang="zh-TW" altLang="en-US" dirty="0">
-              <a:ea typeface="標楷體" panose="03000509000000000000" pitchFamily="65" charset="-120"/>
-            </a:endParaRPr>
-          </a:p>
-        </p:txBody>
-      </p:sp>
-      <p:cxnSp>
-        <p:nvCxnSpPr>
-          <p:cNvPr id="4" name="直線接點 3"/>
-          <p:cNvCxnSpPr/>
-          <p:nvPr/>
-        </p:nvCxnSpPr>
-        <p:spPr>
-          <a:xfrm flipV="1">
-            <a:off x="4738255" y="4089862"/>
-            <a:ext cx="831272" cy="465513"/>
-          </a:xfrm>
-          <a:prstGeom prst="line">
-            <a:avLst/>
-          </a:prstGeom>
-          <a:ln w="38100"/>
-        </p:spPr>
-        <p:style>
-          <a:lnRef idx="1">
-            <a:schemeClr val="accent1"/>
-          </a:lnRef>
-          <a:fillRef idx="0">
-            <a:schemeClr val="accent1"/>
-          </a:fillRef>
-          <a:effectRef idx="0">
-            <a:schemeClr val="accent1"/>
-          </a:effectRef>
-          <a:fontRef idx="minor">
-            <a:schemeClr val="tx1"/>
-          </a:fontRef>
-        </p:style>
-      </p:cxnSp>
-      <p:cxnSp>
-        <p:nvCxnSpPr>
-          <p:cNvPr id="12" name="直線單箭頭接點 11"/>
-          <p:cNvCxnSpPr/>
-          <p:nvPr/>
-        </p:nvCxnSpPr>
-        <p:spPr>
-          <a:xfrm flipH="1" flipV="1">
-            <a:off x="4705004" y="3890357"/>
-            <a:ext cx="508430" cy="875022"/>
-          </a:xfrm>
-          <a:prstGeom prst="straightConnector1">
-            <a:avLst/>
-          </a:prstGeom>
-          <a:ln w="38100">
-            <a:tailEnd type="triangle"/>
-          </a:ln>
-        </p:spPr>
-        <p:style>
-          <a:lnRef idx="1">
-            <a:schemeClr val="accent1"/>
-          </a:lnRef>
-          <a:fillRef idx="0">
-            <a:schemeClr val="accent1"/>
-          </a:fillRef>
-          <a:effectRef idx="0">
-            <a:schemeClr val="accent1"/>
-          </a:effectRef>
-          <a:fontRef idx="minor">
-            <a:schemeClr val="tx1"/>
-          </a:fontRef>
-        </p:style>
-      </p:cxnSp>
-      <p:cxnSp>
-        <p:nvCxnSpPr>
-          <p:cNvPr id="16" name="直線接點 15"/>
-          <p:cNvCxnSpPr/>
-          <p:nvPr/>
-        </p:nvCxnSpPr>
-        <p:spPr>
-          <a:xfrm flipH="1" flipV="1">
-            <a:off x="5066452" y="4239676"/>
-            <a:ext cx="67069" cy="105513"/>
-          </a:xfrm>
-          <a:prstGeom prst="line">
-            <a:avLst/>
-          </a:prstGeom>
-          <a:ln w="28575"/>
-        </p:spPr>
-        <p:style>
-          <a:lnRef idx="1">
-            <a:schemeClr val="accent1"/>
-          </a:lnRef>
-          <a:fillRef idx="0">
-            <a:schemeClr val="accent1"/>
-          </a:fillRef>
-          <a:effectRef idx="0">
-            <a:schemeClr val="accent1"/>
-          </a:effectRef>
-          <a:fontRef idx="minor">
-            <a:schemeClr val="tx1"/>
-          </a:fontRef>
-        </p:style>
-      </p:cxnSp>
-      <p:cxnSp>
-        <p:nvCxnSpPr>
-          <p:cNvPr id="22" name="直線接點 21"/>
-          <p:cNvCxnSpPr/>
-          <p:nvPr/>
-        </p:nvCxnSpPr>
-        <p:spPr>
-          <a:xfrm flipV="1">
-            <a:off x="4944591" y="4239675"/>
-            <a:ext cx="121860" cy="60996"/>
-          </a:xfrm>
-          <a:prstGeom prst="line">
-            <a:avLst/>
-          </a:prstGeom>
-          <a:ln w="28575"/>
-        </p:spPr>
-        <p:style>
-          <a:lnRef idx="1">
-            <a:schemeClr val="accent1"/>
-          </a:lnRef>
-          <a:fillRef idx="0">
-            <a:schemeClr val="accent1"/>
-          </a:fillRef>
-          <a:effectRef idx="0">
-            <a:schemeClr val="accent1"/>
-          </a:effectRef>
-          <a:fontRef idx="minor">
-            <a:schemeClr val="tx1"/>
-          </a:fontRef>
-        </p:style>
-      </p:cxnSp>
     </p:spTree>
     <p:extLst>
       <p:ext uri="{BB962C8B-B14F-4D97-AF65-F5344CB8AC3E}">
-        <p14:creationId xmlns:p14="http://schemas.microsoft.com/office/powerpoint/2010/main" val="2193703699"/>
+        <p14:creationId xmlns:p14="http://schemas.microsoft.com/office/powerpoint/2010/main" val="1021493306"/>
       </p:ext>
     </p:extLst>
   </p:cSld>
@@ -9250,6 +8825,831 @@
       </p:grpSpPr>
       <p:sp>
         <p:nvSpPr>
+          <p:cNvPr id="4" name="文字方塊 3">
+            <a:extLst>
+              <a:ext uri="{FF2B5EF4-FFF2-40B4-BE49-F238E27FC236}">
+                <a16:creationId xmlns:a16="http://schemas.microsoft.com/office/drawing/2014/main" id="{3696DE28-6FBF-43D4-8685-442AD952CE52}"/>
+              </a:ext>
+            </a:extLst>
+          </p:cNvPr>
+          <p:cNvSpPr txBox="1"/>
+          <p:nvPr/>
+        </p:nvSpPr>
+        <p:spPr>
+          <a:xfrm>
+            <a:off x="2310954" y="1229917"/>
+            <a:ext cx="5664645" cy="369332"/>
+          </a:xfrm>
+          <a:prstGeom prst="rect">
+            <a:avLst/>
+          </a:prstGeom>
+          <a:noFill/>
+        </p:spPr>
+        <p:txBody>
+          <a:bodyPr wrap="square" rtlCol="0">
+            <a:spAutoFit/>
+          </a:bodyPr>
+          <a:lstStyle/>
+          <a:p>
+            <a:r>
+              <a:rPr lang="en-US" altLang="zh-TW" dirty="0">
+                <a:ea typeface="標楷體" panose="03000509000000000000" pitchFamily="65" charset="-120"/>
+              </a:rPr>
+              <a:t>player</a:t>
+            </a:r>
+            <a:endParaRPr lang="zh-TW" altLang="en-US" dirty="0">
+              <a:ea typeface="標楷體" panose="03000509000000000000" pitchFamily="65" charset="-120"/>
+            </a:endParaRPr>
+          </a:p>
+        </p:txBody>
+      </p:sp>
+    </p:spTree>
+    <p:extLst>
+      <p:ext uri="{BB962C8B-B14F-4D97-AF65-F5344CB8AC3E}">
+        <p14:creationId xmlns:p14="http://schemas.microsoft.com/office/powerpoint/2010/main" val="3861624559"/>
+      </p:ext>
+    </p:extLst>
+  </p:cSld>
+  <p:clrMapOvr>
+    <a:masterClrMapping/>
+  </p:clrMapOvr>
+</p:sld>
+</file>
+
+<file path=ppt/slides/slide21.xml><?xml version="1.0" encoding="utf-8"?>
+<p:sld xmlns:a="http://schemas.openxmlformats.org/drawingml/2006/main" xmlns:r="http://schemas.openxmlformats.org/officeDocument/2006/relationships" xmlns:p="http://schemas.openxmlformats.org/presentationml/2006/main">
+  <p:cSld>
+    <p:spTree>
+      <p:nvGrpSpPr>
+        <p:cNvPr id="1" name=""/>
+        <p:cNvGrpSpPr/>
+        <p:nvPr/>
+      </p:nvGrpSpPr>
+      <p:grpSpPr>
+        <a:xfrm>
+          <a:off x="0" y="0"/>
+          <a:ext cx="0" cy="0"/>
+          <a:chOff x="0" y="0"/>
+          <a:chExt cx="0" cy="0"/>
+        </a:xfrm>
+      </p:grpSpPr>
+      <p:sp>
+        <p:nvSpPr>
+          <p:cNvPr id="4" name="文字方塊 3">
+            <a:extLst>
+              <a:ext uri="{FF2B5EF4-FFF2-40B4-BE49-F238E27FC236}">
+                <a16:creationId xmlns:a16="http://schemas.microsoft.com/office/drawing/2014/main" id="{3696DE28-6FBF-43D4-8685-442AD952CE52}"/>
+              </a:ext>
+            </a:extLst>
+          </p:cNvPr>
+          <p:cNvSpPr txBox="1"/>
+          <p:nvPr/>
+        </p:nvSpPr>
+        <p:spPr>
+          <a:xfrm>
+            <a:off x="2310954" y="1229917"/>
+            <a:ext cx="5664645" cy="369332"/>
+          </a:xfrm>
+          <a:prstGeom prst="rect">
+            <a:avLst/>
+          </a:prstGeom>
+          <a:noFill/>
+        </p:spPr>
+        <p:txBody>
+          <a:bodyPr wrap="square" rtlCol="0">
+            <a:spAutoFit/>
+          </a:bodyPr>
+          <a:lstStyle/>
+          <a:p>
+            <a:r>
+              <a:rPr lang="en-US" altLang="zh-TW" dirty="0" err="1">
+                <a:ea typeface="標楷體" panose="03000509000000000000" pitchFamily="65" charset="-120"/>
+              </a:rPr>
+              <a:t>PerspectiveTransform</a:t>
+            </a:r>
+            <a:r>
+              <a:rPr lang="en-US" altLang="zh-TW" dirty="0">
+                <a:ea typeface="標楷體" panose="03000509000000000000" pitchFamily="65" charset="-120"/>
+              </a:rPr>
+              <a:t>()</a:t>
+            </a:r>
+            <a:r>
+              <a:rPr lang="zh-TW" altLang="en-US" dirty="0">
+                <a:ea typeface="標楷體" panose="03000509000000000000" pitchFamily="65" charset="-120"/>
+              </a:rPr>
+              <a:t>、</a:t>
+            </a:r>
+            <a:r>
+              <a:rPr lang="en-US" altLang="zh-TW" dirty="0" err="1">
+                <a:ea typeface="標楷體" panose="03000509000000000000" pitchFamily="65" charset="-120"/>
+              </a:rPr>
+              <a:t>warpPerspective</a:t>
+            </a:r>
+            <a:r>
+              <a:rPr lang="en-US" altLang="zh-TW" dirty="0">
+                <a:ea typeface="標楷體" panose="03000509000000000000" pitchFamily="65" charset="-120"/>
+              </a:rPr>
+              <a:t>()</a:t>
+            </a:r>
+            <a:endParaRPr lang="zh-TW" altLang="en-US" dirty="0">
+              <a:ea typeface="標楷體" panose="03000509000000000000" pitchFamily="65" charset="-120"/>
+            </a:endParaRPr>
+          </a:p>
+        </p:txBody>
+      </p:sp>
+      <p:pic>
+        <p:nvPicPr>
+          <p:cNvPr id="9" name="圖片 8">
+            <a:extLst>
+              <a:ext uri="{FF2B5EF4-FFF2-40B4-BE49-F238E27FC236}">
+                <a16:creationId xmlns:a16="http://schemas.microsoft.com/office/drawing/2014/main" id="{35C04249-3B28-4CA4-985C-C823E101DD72}"/>
+              </a:ext>
+            </a:extLst>
+          </p:cNvPr>
+          <p:cNvPicPr>
+            <a:picLocks noChangeAspect="1"/>
+          </p:cNvPicPr>
+          <p:nvPr/>
+        </p:nvPicPr>
+        <p:blipFill>
+          <a:blip r:embed="rId2">
+            <a:extLst>
+              <a:ext uri="{28A0092B-C50C-407E-A947-70E740481C1C}">
+                <a14:useLocalDpi xmlns:a14="http://schemas.microsoft.com/office/drawing/2010/main" val="0"/>
+              </a:ext>
+            </a:extLst>
+          </a:blip>
+          <a:stretch>
+            <a:fillRect/>
+          </a:stretch>
+        </p:blipFill>
+        <p:spPr>
+          <a:xfrm>
+            <a:off x="1231028" y="1599249"/>
+            <a:ext cx="10166834" cy="5083417"/>
+          </a:xfrm>
+          <a:prstGeom prst="rect">
+            <a:avLst/>
+          </a:prstGeom>
+        </p:spPr>
+      </p:pic>
+    </p:spTree>
+    <p:extLst>
+      <p:ext uri="{BB962C8B-B14F-4D97-AF65-F5344CB8AC3E}">
+        <p14:creationId xmlns:p14="http://schemas.microsoft.com/office/powerpoint/2010/main" val="736294556"/>
+      </p:ext>
+    </p:extLst>
+  </p:cSld>
+  <p:clrMapOvr>
+    <a:masterClrMapping/>
+  </p:clrMapOvr>
+</p:sld>
+</file>
+
+<file path=ppt/slides/slide22.xml><?xml version="1.0" encoding="utf-8"?>
+<p:sld xmlns:a="http://schemas.openxmlformats.org/drawingml/2006/main" xmlns:r="http://schemas.openxmlformats.org/officeDocument/2006/relationships" xmlns:p="http://schemas.openxmlformats.org/presentationml/2006/main">
+  <p:cSld>
+    <p:spTree>
+      <p:nvGrpSpPr>
+        <p:cNvPr id="1" name=""/>
+        <p:cNvGrpSpPr/>
+        <p:nvPr/>
+      </p:nvGrpSpPr>
+      <p:grpSpPr>
+        <a:xfrm>
+          <a:off x="0" y="0"/>
+          <a:ext cx="0" cy="0"/>
+          <a:chOff x="0" y="0"/>
+          <a:chExt cx="0" cy="0"/>
+        </a:xfrm>
+      </p:grpSpPr>
+      <p:sp>
+        <p:nvSpPr>
+          <p:cNvPr id="5" name="標題 3">
+            <a:extLst>
+              <a:ext uri="{FF2B5EF4-FFF2-40B4-BE49-F238E27FC236}">
+                <a16:creationId xmlns:a16="http://schemas.microsoft.com/office/drawing/2014/main" id="{5E65A4BB-74FA-47A4-97D2-6955415EF6B6}"/>
+              </a:ext>
+            </a:extLst>
+          </p:cNvPr>
+          <p:cNvSpPr>
+            <a:spLocks noGrp="1"/>
+          </p:cNvSpPr>
+          <p:nvPr>
+            <p:ph type="title"/>
+          </p:nvPr>
+        </p:nvSpPr>
+        <p:spPr>
+          <a:xfrm>
+            <a:off x="838200" y="365125"/>
+            <a:ext cx="10515600" cy="720000"/>
+          </a:xfrm>
+        </p:spPr>
+        <p:txBody>
+          <a:bodyPr/>
+          <a:lstStyle/>
+          <a:p>
+            <a:r>
+              <a:rPr lang="zh-TW" altLang="en-US" dirty="0"/>
+              <a:t>專案架構 </a:t>
+            </a:r>
+            <a:r>
+              <a:rPr lang="en-US" altLang="zh-TW" dirty="0"/>
+              <a:t>–</a:t>
+            </a:r>
+            <a:r>
+              <a:rPr lang="zh-TW" altLang="en-US" dirty="0"/>
+              <a:t> 估計畫面</a:t>
+            </a:r>
+          </a:p>
+        </p:txBody>
+      </p:sp>
+      <p:pic>
+        <p:nvPicPr>
+          <p:cNvPr id="2" name="圖片 1"/>
+          <p:cNvPicPr>
+            <a:picLocks noChangeAspect="1"/>
+          </p:cNvPicPr>
+          <p:nvPr/>
+        </p:nvPicPr>
+        <p:blipFill>
+          <a:blip r:embed="rId2"/>
+          <a:stretch>
+            <a:fillRect/>
+          </a:stretch>
+        </p:blipFill>
+        <p:spPr>
+          <a:xfrm>
+            <a:off x="1485900" y="1476375"/>
+            <a:ext cx="9220200" cy="4362450"/>
+          </a:xfrm>
+          <a:prstGeom prst="rect">
+            <a:avLst/>
+          </a:prstGeom>
+        </p:spPr>
+      </p:pic>
+      <p:sp>
+        <p:nvSpPr>
+          <p:cNvPr id="3" name="文字方塊 2"/>
+          <p:cNvSpPr txBox="1"/>
+          <p:nvPr/>
+        </p:nvSpPr>
+        <p:spPr>
+          <a:xfrm>
+            <a:off x="8542422" y="5838825"/>
+            <a:ext cx="1780674" cy="369332"/>
+          </a:xfrm>
+          <a:prstGeom prst="rect">
+            <a:avLst/>
+          </a:prstGeom>
+          <a:noFill/>
+        </p:spPr>
+        <p:txBody>
+          <a:bodyPr wrap="square" rtlCol="0">
+            <a:spAutoFit/>
+          </a:bodyPr>
+          <a:lstStyle/>
+          <a:p>
+            <a:r>
+              <a:rPr lang="zh-TW" altLang="en-US" dirty="0">
+                <a:ea typeface="標楷體" panose="03000509000000000000" pitchFamily="65" charset="-120"/>
+              </a:rPr>
+              <a:t>圖</a:t>
+            </a:r>
+            <a:r>
+              <a:rPr lang="en-US" altLang="zh-TW" dirty="0">
+                <a:ea typeface="標楷體" panose="03000509000000000000" pitchFamily="65" charset="-120"/>
+              </a:rPr>
+              <a:t>3</a:t>
+            </a:r>
+            <a:r>
+              <a:rPr lang="zh-TW" altLang="en-US" dirty="0">
+                <a:ea typeface="標楷體" panose="03000509000000000000" pitchFamily="65" charset="-120"/>
+              </a:rPr>
+              <a:t>、落點標記</a:t>
+            </a:r>
+          </a:p>
+        </p:txBody>
+      </p:sp>
+    </p:spTree>
+    <p:extLst>
+      <p:ext uri="{BB962C8B-B14F-4D97-AF65-F5344CB8AC3E}">
+        <p14:creationId xmlns:p14="http://schemas.microsoft.com/office/powerpoint/2010/main" val="1686194952"/>
+      </p:ext>
+    </p:extLst>
+  </p:cSld>
+  <p:clrMapOvr>
+    <a:masterClrMapping/>
+  </p:clrMapOvr>
+</p:sld>
+</file>
+
+<file path=ppt/slides/slide23.xml><?xml version="1.0" encoding="utf-8"?>
+<p:sld xmlns:a="http://schemas.openxmlformats.org/drawingml/2006/main" xmlns:r="http://schemas.openxmlformats.org/officeDocument/2006/relationships" xmlns:p="http://schemas.openxmlformats.org/presentationml/2006/main">
+  <p:cSld>
+    <p:spTree>
+      <p:nvGrpSpPr>
+        <p:cNvPr id="1" name=""/>
+        <p:cNvGrpSpPr/>
+        <p:nvPr/>
+      </p:nvGrpSpPr>
+      <p:grpSpPr>
+        <a:xfrm>
+          <a:off x="0" y="0"/>
+          <a:ext cx="0" cy="0"/>
+          <a:chOff x="0" y="0"/>
+          <a:chExt cx="0" cy="0"/>
+        </a:xfrm>
+      </p:grpSpPr>
+      <p:sp>
+        <p:nvSpPr>
+          <p:cNvPr id="5" name="標題 3">
+            <a:extLst>
+              <a:ext uri="{FF2B5EF4-FFF2-40B4-BE49-F238E27FC236}">
+                <a16:creationId xmlns:a16="http://schemas.microsoft.com/office/drawing/2014/main" id="{5E65A4BB-74FA-47A4-97D2-6955415EF6B6}"/>
+              </a:ext>
+            </a:extLst>
+          </p:cNvPr>
+          <p:cNvSpPr>
+            <a:spLocks noGrp="1"/>
+          </p:cNvSpPr>
+          <p:nvPr>
+            <p:ph type="title"/>
+          </p:nvPr>
+        </p:nvSpPr>
+        <p:spPr>
+          <a:xfrm>
+            <a:off x="838200" y="365125"/>
+            <a:ext cx="10515600" cy="720000"/>
+          </a:xfrm>
+        </p:spPr>
+        <p:txBody>
+          <a:bodyPr/>
+          <a:lstStyle/>
+          <a:p>
+            <a:r>
+              <a:rPr lang="zh-TW" altLang="en-US" dirty="0"/>
+              <a:t>專案架構 </a:t>
+            </a:r>
+            <a:r>
+              <a:rPr lang="en-US" altLang="zh-TW" dirty="0"/>
+              <a:t>–</a:t>
+            </a:r>
+            <a:r>
+              <a:rPr lang="zh-TW" altLang="en-US" dirty="0"/>
+              <a:t> 估計畫面</a:t>
+            </a:r>
+          </a:p>
+        </p:txBody>
+      </p:sp>
+      <p:pic>
+        <p:nvPicPr>
+          <p:cNvPr id="3" name="圖片 2"/>
+          <p:cNvPicPr>
+            <a:picLocks noChangeAspect="1"/>
+          </p:cNvPicPr>
+          <p:nvPr/>
+        </p:nvPicPr>
+        <p:blipFill>
+          <a:blip r:embed="rId2"/>
+          <a:stretch>
+            <a:fillRect/>
+          </a:stretch>
+        </p:blipFill>
+        <p:spPr>
+          <a:xfrm>
+            <a:off x="6977062" y="1530734"/>
+            <a:ext cx="2010527" cy="3845377"/>
+          </a:xfrm>
+          <a:prstGeom prst="rect">
+            <a:avLst/>
+          </a:prstGeom>
+        </p:spPr>
+      </p:pic>
+      <p:pic>
+        <p:nvPicPr>
+          <p:cNvPr id="6" name="圖片 5"/>
+          <p:cNvPicPr>
+            <a:picLocks noChangeAspect="1"/>
+          </p:cNvPicPr>
+          <p:nvPr/>
+        </p:nvPicPr>
+        <p:blipFill>
+          <a:blip r:embed="rId3"/>
+          <a:stretch>
+            <a:fillRect/>
+          </a:stretch>
+        </p:blipFill>
+        <p:spPr>
+          <a:xfrm>
+            <a:off x="4104021" y="4321340"/>
+            <a:ext cx="542925" cy="838200"/>
+          </a:xfrm>
+          <a:prstGeom prst="rect">
+            <a:avLst/>
+          </a:prstGeom>
+        </p:spPr>
+      </p:pic>
+      <p:pic>
+        <p:nvPicPr>
+          <p:cNvPr id="7" name="圖片 6"/>
+          <p:cNvPicPr>
+            <a:picLocks noChangeAspect="1"/>
+          </p:cNvPicPr>
+          <p:nvPr/>
+        </p:nvPicPr>
+        <p:blipFill>
+          <a:blip r:embed="rId3"/>
+          <a:stretch>
+            <a:fillRect/>
+          </a:stretch>
+        </p:blipFill>
+        <p:spPr>
+          <a:xfrm>
+            <a:off x="3173327" y="1977240"/>
+            <a:ext cx="542925" cy="838200"/>
+          </a:xfrm>
+          <a:prstGeom prst="rect">
+            <a:avLst/>
+          </a:prstGeom>
+        </p:spPr>
+      </p:pic>
+      <p:pic>
+        <p:nvPicPr>
+          <p:cNvPr id="1026" name="Picture 2" descr="概述的卡通網球拍, 畫, 特寫, 冠軍賽向量圖案素材免費下載，PNG，EPS和AI素材下載- Pngtree"/>
+          <p:cNvPicPr>
+            <a:picLocks noChangeAspect="1" noChangeArrowheads="1"/>
+          </p:cNvPicPr>
+          <p:nvPr/>
+        </p:nvPicPr>
+        <p:blipFill>
+          <a:blip r:embed="rId4" cstate="print">
+            <a:extLst>
+              <a:ext uri="{28A0092B-C50C-407E-A947-70E740481C1C}">
+                <a14:useLocalDpi xmlns:a14="http://schemas.microsoft.com/office/drawing/2010/main" val="0"/>
+              </a:ext>
+            </a:extLst>
+          </a:blip>
+          <a:srcRect/>
+          <a:stretch>
+            <a:fillRect/>
+          </a:stretch>
+        </p:blipFill>
+        <p:spPr bwMode="auto">
+          <a:xfrm>
+            <a:off x="4407359" y="4222355"/>
+            <a:ext cx="831014" cy="518085"/>
+          </a:xfrm>
+          <a:prstGeom prst="rect">
+            <a:avLst/>
+          </a:prstGeom>
+          <a:noFill/>
+          <a:extLst>
+            <a:ext uri="{909E8E84-426E-40DD-AFC4-6F175D3DCCD1}">
+              <a14:hiddenFill xmlns:a14="http://schemas.microsoft.com/office/drawing/2010/main">
+                <a:solidFill>
+                  <a:srgbClr val="FFFFFF"/>
+                </a:solidFill>
+              </a14:hiddenFill>
+            </a:ext>
+          </a:extLst>
+        </p:spPr>
+      </p:pic>
+      <p:pic>
+        <p:nvPicPr>
+          <p:cNvPr id="9" name="Picture 2" descr="概述的卡通網球拍, 畫, 特寫, 冠軍賽向量圖案素材免費下載，PNG，EPS和AI素材下載- Pngtree"/>
+          <p:cNvPicPr>
+            <a:picLocks noChangeAspect="1" noChangeArrowheads="1"/>
+          </p:cNvPicPr>
+          <p:nvPr/>
+        </p:nvPicPr>
+        <p:blipFill>
+          <a:blip r:embed="rId4" cstate="print">
+            <a:extLst>
+              <a:ext uri="{28A0092B-C50C-407E-A947-70E740481C1C}">
+                <a14:useLocalDpi xmlns:a14="http://schemas.microsoft.com/office/drawing/2010/main" val="0"/>
+              </a:ext>
+            </a:extLst>
+          </a:blip>
+          <a:srcRect/>
+          <a:stretch>
+            <a:fillRect/>
+          </a:stretch>
+        </p:blipFill>
+        <p:spPr bwMode="auto">
+          <a:xfrm>
+            <a:off x="3576345" y="1878255"/>
+            <a:ext cx="831014" cy="518085"/>
+          </a:xfrm>
+          <a:prstGeom prst="rect">
+            <a:avLst/>
+          </a:prstGeom>
+          <a:noFill/>
+          <a:extLst>
+            <a:ext uri="{909E8E84-426E-40DD-AFC4-6F175D3DCCD1}">
+              <a14:hiddenFill xmlns:a14="http://schemas.microsoft.com/office/drawing/2010/main">
+                <a:solidFill>
+                  <a:srgbClr val="FFFFFF"/>
+                </a:solidFill>
+              </a14:hiddenFill>
+            </a:ext>
+          </a:extLst>
+        </p:spPr>
+      </p:pic>
+      <p:pic>
+        <p:nvPicPr>
+          <p:cNvPr id="1028" name="Picture 4" descr="網球拍插圖– 免費插畫素材合集KuKuKeKe"/>
+          <p:cNvPicPr>
+            <a:picLocks noChangeAspect="1" noChangeArrowheads="1"/>
+          </p:cNvPicPr>
+          <p:nvPr/>
+        </p:nvPicPr>
+        <p:blipFill rotWithShape="1">
+          <a:blip r:embed="rId5" cstate="print">
+            <a:extLst>
+              <a:ext uri="{28A0092B-C50C-407E-A947-70E740481C1C}">
+                <a14:useLocalDpi xmlns:a14="http://schemas.microsoft.com/office/drawing/2010/main" val="0"/>
+              </a:ext>
+            </a:extLst>
+          </a:blip>
+          <a:srcRect l="17350" t="18105" r="66455" b="69159"/>
+          <a:stretch/>
+        </p:blipFill>
+        <p:spPr bwMode="auto">
+          <a:xfrm>
+            <a:off x="4659477" y="3938886"/>
+            <a:ext cx="348916" cy="300789"/>
+          </a:xfrm>
+          <a:prstGeom prst="rect">
+            <a:avLst/>
+          </a:prstGeom>
+          <a:noFill/>
+          <a:extLst>
+            <a:ext uri="{909E8E84-426E-40DD-AFC4-6F175D3DCCD1}">
+              <a14:hiddenFill xmlns:a14="http://schemas.microsoft.com/office/drawing/2010/main">
+                <a:solidFill>
+                  <a:srgbClr val="FFFFFF"/>
+                </a:solidFill>
+              </a14:hiddenFill>
+            </a:ext>
+          </a:extLst>
+        </p:spPr>
+      </p:pic>
+      <p:sp>
+        <p:nvSpPr>
+          <p:cNvPr id="10" name="文字方塊 9"/>
+          <p:cNvSpPr txBox="1"/>
+          <p:nvPr/>
+        </p:nvSpPr>
+        <p:spPr>
+          <a:xfrm>
+            <a:off x="7086595" y="5474893"/>
+            <a:ext cx="1780674" cy="369332"/>
+          </a:xfrm>
+          <a:prstGeom prst="rect">
+            <a:avLst/>
+          </a:prstGeom>
+          <a:noFill/>
+        </p:spPr>
+        <p:txBody>
+          <a:bodyPr wrap="square" rtlCol="0">
+            <a:spAutoFit/>
+          </a:bodyPr>
+          <a:lstStyle/>
+          <a:p>
+            <a:pPr algn="ctr"/>
+            <a:r>
+              <a:rPr lang="zh-TW" altLang="en-US" dirty="0">
+                <a:ea typeface="標楷體" panose="03000509000000000000" pitchFamily="65" charset="-120"/>
+              </a:rPr>
+              <a:t>圖</a:t>
+            </a:r>
+            <a:r>
+              <a:rPr lang="en-US" altLang="zh-TW" dirty="0">
+                <a:ea typeface="標楷體" panose="03000509000000000000" pitchFamily="65" charset="-120"/>
+              </a:rPr>
+              <a:t>5</a:t>
+            </a:r>
+            <a:r>
+              <a:rPr lang="zh-TW" altLang="en-US" dirty="0">
+                <a:ea typeface="標楷體" panose="03000509000000000000" pitchFamily="65" charset="-120"/>
+              </a:rPr>
+              <a:t>、俯視圖</a:t>
+            </a:r>
+          </a:p>
+        </p:txBody>
+      </p:sp>
+      <p:sp>
+        <p:nvSpPr>
+          <p:cNvPr id="11" name="文字方塊 10"/>
+          <p:cNvSpPr txBox="1"/>
+          <p:nvPr/>
+        </p:nvSpPr>
+        <p:spPr>
+          <a:xfrm>
+            <a:off x="3173327" y="5474893"/>
+            <a:ext cx="1980564" cy="646331"/>
+          </a:xfrm>
+          <a:prstGeom prst="rect">
+            <a:avLst/>
+          </a:prstGeom>
+          <a:noFill/>
+        </p:spPr>
+        <p:txBody>
+          <a:bodyPr wrap="square" rtlCol="0">
+            <a:spAutoFit/>
+          </a:bodyPr>
+          <a:lstStyle/>
+          <a:p>
+            <a:pPr algn="ctr"/>
+            <a:r>
+              <a:rPr lang="zh-TW" altLang="en-US" dirty="0">
+                <a:ea typeface="標楷體" panose="03000509000000000000" pitchFamily="65" charset="-120"/>
+              </a:rPr>
+              <a:t>圖</a:t>
+            </a:r>
+            <a:r>
+              <a:rPr lang="en-US" altLang="zh-TW" dirty="0">
+                <a:ea typeface="標楷體" panose="03000509000000000000" pitchFamily="65" charset="-120"/>
+              </a:rPr>
+              <a:t>4</a:t>
+            </a:r>
+            <a:r>
+              <a:rPr lang="zh-TW" altLang="en-US" dirty="0">
+                <a:ea typeface="標楷體" panose="03000509000000000000" pitchFamily="65" charset="-120"/>
+              </a:rPr>
+              <a:t>、前瞰圖</a:t>
+            </a:r>
+            <a:r>
+              <a:rPr lang="en-US" altLang="zh-TW" dirty="0">
+                <a:ea typeface="標楷體" panose="03000509000000000000" pitchFamily="65" charset="-120"/>
+              </a:rPr>
+              <a:t>(webcam)</a:t>
+            </a:r>
+            <a:endParaRPr lang="zh-TW" altLang="en-US" dirty="0">
+              <a:ea typeface="標楷體" panose="03000509000000000000" pitchFamily="65" charset="-120"/>
+            </a:endParaRPr>
+          </a:p>
+        </p:txBody>
+      </p:sp>
+      <p:cxnSp>
+        <p:nvCxnSpPr>
+          <p:cNvPr id="4" name="直線接點 3"/>
+          <p:cNvCxnSpPr/>
+          <p:nvPr/>
+        </p:nvCxnSpPr>
+        <p:spPr>
+          <a:xfrm flipV="1">
+            <a:off x="4738255" y="4089862"/>
+            <a:ext cx="831272" cy="465513"/>
+          </a:xfrm>
+          <a:prstGeom prst="line">
+            <a:avLst/>
+          </a:prstGeom>
+          <a:ln w="38100"/>
+        </p:spPr>
+        <p:style>
+          <a:lnRef idx="1">
+            <a:schemeClr val="accent1"/>
+          </a:lnRef>
+          <a:fillRef idx="0">
+            <a:schemeClr val="accent1"/>
+          </a:fillRef>
+          <a:effectRef idx="0">
+            <a:schemeClr val="accent1"/>
+          </a:effectRef>
+          <a:fontRef idx="minor">
+            <a:schemeClr val="tx1"/>
+          </a:fontRef>
+        </p:style>
+      </p:cxnSp>
+      <p:cxnSp>
+        <p:nvCxnSpPr>
+          <p:cNvPr id="12" name="直線單箭頭接點 11"/>
+          <p:cNvCxnSpPr/>
+          <p:nvPr/>
+        </p:nvCxnSpPr>
+        <p:spPr>
+          <a:xfrm flipH="1" flipV="1">
+            <a:off x="4705004" y="3890357"/>
+            <a:ext cx="508430" cy="875022"/>
+          </a:xfrm>
+          <a:prstGeom prst="straightConnector1">
+            <a:avLst/>
+          </a:prstGeom>
+          <a:ln w="38100">
+            <a:tailEnd type="triangle"/>
+          </a:ln>
+        </p:spPr>
+        <p:style>
+          <a:lnRef idx="1">
+            <a:schemeClr val="accent1"/>
+          </a:lnRef>
+          <a:fillRef idx="0">
+            <a:schemeClr val="accent1"/>
+          </a:fillRef>
+          <a:effectRef idx="0">
+            <a:schemeClr val="accent1"/>
+          </a:effectRef>
+          <a:fontRef idx="minor">
+            <a:schemeClr val="tx1"/>
+          </a:fontRef>
+        </p:style>
+      </p:cxnSp>
+      <p:cxnSp>
+        <p:nvCxnSpPr>
+          <p:cNvPr id="16" name="直線接點 15"/>
+          <p:cNvCxnSpPr/>
+          <p:nvPr/>
+        </p:nvCxnSpPr>
+        <p:spPr>
+          <a:xfrm flipH="1" flipV="1">
+            <a:off x="5066452" y="4239676"/>
+            <a:ext cx="67069" cy="105513"/>
+          </a:xfrm>
+          <a:prstGeom prst="line">
+            <a:avLst/>
+          </a:prstGeom>
+          <a:ln w="28575"/>
+        </p:spPr>
+        <p:style>
+          <a:lnRef idx="1">
+            <a:schemeClr val="accent1"/>
+          </a:lnRef>
+          <a:fillRef idx="0">
+            <a:schemeClr val="accent1"/>
+          </a:fillRef>
+          <a:effectRef idx="0">
+            <a:schemeClr val="accent1"/>
+          </a:effectRef>
+          <a:fontRef idx="minor">
+            <a:schemeClr val="tx1"/>
+          </a:fontRef>
+        </p:style>
+      </p:cxnSp>
+      <p:cxnSp>
+        <p:nvCxnSpPr>
+          <p:cNvPr id="22" name="直線接點 21"/>
+          <p:cNvCxnSpPr/>
+          <p:nvPr/>
+        </p:nvCxnSpPr>
+        <p:spPr>
+          <a:xfrm flipV="1">
+            <a:off x="4944591" y="4239675"/>
+            <a:ext cx="121860" cy="60996"/>
+          </a:xfrm>
+          <a:prstGeom prst="line">
+            <a:avLst/>
+          </a:prstGeom>
+          <a:ln w="28575"/>
+        </p:spPr>
+        <p:style>
+          <a:lnRef idx="1">
+            <a:schemeClr val="accent1"/>
+          </a:lnRef>
+          <a:fillRef idx="0">
+            <a:schemeClr val="accent1"/>
+          </a:fillRef>
+          <a:effectRef idx="0">
+            <a:schemeClr val="accent1"/>
+          </a:effectRef>
+          <a:fontRef idx="minor">
+            <a:schemeClr val="tx1"/>
+          </a:fontRef>
+        </p:style>
+      </p:cxnSp>
+    </p:spTree>
+    <p:extLst>
+      <p:ext uri="{BB962C8B-B14F-4D97-AF65-F5344CB8AC3E}">
+        <p14:creationId xmlns:p14="http://schemas.microsoft.com/office/powerpoint/2010/main" val="2193703699"/>
+      </p:ext>
+    </p:extLst>
+  </p:cSld>
+  <p:clrMapOvr>
+    <a:masterClrMapping/>
+  </p:clrMapOvr>
+</p:sld>
+</file>
+
+<file path=ppt/slides/slide24.xml><?xml version="1.0" encoding="utf-8"?>
+<p:sld xmlns:a="http://schemas.openxmlformats.org/drawingml/2006/main" xmlns:r="http://schemas.openxmlformats.org/officeDocument/2006/relationships" xmlns:p="http://schemas.openxmlformats.org/presentationml/2006/main">
+  <p:cSld>
+    <p:spTree>
+      <p:nvGrpSpPr>
+        <p:cNvPr id="1" name=""/>
+        <p:cNvGrpSpPr/>
+        <p:nvPr/>
+      </p:nvGrpSpPr>
+      <p:grpSpPr>
+        <a:xfrm>
+          <a:off x="0" y="0"/>
+          <a:ext cx="0" cy="0"/>
+          <a:chOff x="0" y="0"/>
+          <a:chExt cx="0" cy="0"/>
+        </a:xfrm>
+      </p:grpSpPr>
+      <p:sp>
+        <p:nvSpPr>
           <p:cNvPr id="5" name="標題 2">
             <a:extLst>
               <a:ext uri="{FF2B5EF4-FFF2-40B4-BE49-F238E27FC236}">
@@ -9446,7 +9846,7 @@
 </p:sld>
 </file>
 
-<file path=ppt/slides/slide21.xml><?xml version="1.0" encoding="utf-8"?>
+<file path=ppt/slides/slide25.xml><?xml version="1.0" encoding="utf-8"?>
 <p:sld xmlns:a="http://schemas.openxmlformats.org/drawingml/2006/main" xmlns:r="http://schemas.openxmlformats.org/officeDocument/2006/relationships" xmlns:p="http://schemas.openxmlformats.org/presentationml/2006/main">
   <p:cSld>
     <p:spTree>
@@ -9631,7 +10031,7 @@
 </p:sld>
 </file>
 
-<file path=ppt/slides/slide22.xml><?xml version="1.0" encoding="utf-8"?>
+<file path=ppt/slides/slide26.xml><?xml version="1.0" encoding="utf-8"?>
 <p:sld xmlns:a="http://schemas.openxmlformats.org/drawingml/2006/main" xmlns:r="http://schemas.openxmlformats.org/officeDocument/2006/relationships" xmlns:p="http://schemas.openxmlformats.org/presentationml/2006/main">
   <p:cSld>
     <p:spTree>
@@ -10237,7 +10637,7 @@
 </p:sld>
 </file>
 
-<file path=ppt/slides/slide23.xml><?xml version="1.0" encoding="utf-8"?>
+<file path=ppt/slides/slide27.xml><?xml version="1.0" encoding="utf-8"?>
 <p:sld xmlns:a="http://schemas.openxmlformats.org/drawingml/2006/main" xmlns:r="http://schemas.openxmlformats.org/officeDocument/2006/relationships" xmlns:p="http://schemas.openxmlformats.org/presentationml/2006/main" show="0">
   <p:cSld>
     <p:spTree>
